--- a/Presentaciones/Presentacion_1.pptx
+++ b/Presentaciones/Presentacion_1.pptx
@@ -107,6 +107,11 @@
       </a:defRPr>
     </a:lvl9pPr>
   </p:defaultTextStyle>
+  <p:extLst>
+    <p:ext uri="{EFAFB233-063F-42B5-8137-9DF3F51BA10A}">
+      <p15:sldGuideLst xmlns:p15="http://schemas.microsoft.com/office/powerpoint/2012/main"/>
+    </p:ext>
+  </p:extLst>
 </p:presentation>
 </file>
 
@@ -1001,11 +1006,11 @@
         <a:p>
           <a:r>
             <a:rPr lang="en-US" dirty="0" err="1"/>
-            <a:t>Ordenamiento</a:t>
+            <a:t>Cartografía</a:t>
           </a:r>
           <a:r>
             <a:rPr lang="en-US" dirty="0"/>
-            <a:t> territorial → IGAC</a:t>
+            <a:t>→ IGAC</a:t>
           </a:r>
         </a:p>
       </dgm:t>
@@ -1466,11 +1471,11 @@
           </a:pPr>
           <a:r>
             <a:rPr lang="en-US" sz="2400" kern="1200" dirty="0" err="1"/>
-            <a:t>Ordenamiento</a:t>
+            <a:t>Cartografía</a:t>
           </a:r>
           <a:r>
             <a:rPr lang="en-US" sz="2400" kern="1200" dirty="0"/>
-            <a:t> territorial → IGAC</a:t>
+            <a:t>→ IGAC</a:t>
           </a:r>
         </a:p>
       </dsp:txBody>
@@ -4212,7 +4217,7 @@
           <a:p>
             <a:fld id="{BC319BD0-95BB-4631-9A5C-521AA65C6D4F}" type="datetimeFigureOut">
               <a:rPr lang="en-US" smtClean="0"/>
-              <a:t>5/6/2025</a:t>
+              <a:t>5/7/2025</a:t>
             </a:fld>
             <a:endParaRPr lang="en-US"/>
           </a:p>
@@ -4412,7 +4417,7 @@
           <a:p>
             <a:fld id="{BC319BD0-95BB-4631-9A5C-521AA65C6D4F}" type="datetimeFigureOut">
               <a:rPr lang="en-US" smtClean="0"/>
-              <a:t>5/6/2025</a:t>
+              <a:t>5/7/2025</a:t>
             </a:fld>
             <a:endParaRPr lang="en-US"/>
           </a:p>
@@ -4622,7 +4627,7 @@
           <a:p>
             <a:fld id="{BC319BD0-95BB-4631-9A5C-521AA65C6D4F}" type="datetimeFigureOut">
               <a:rPr lang="en-US" smtClean="0"/>
-              <a:t>5/6/2025</a:t>
+              <a:t>5/7/2025</a:t>
             </a:fld>
             <a:endParaRPr lang="en-US"/>
           </a:p>
@@ -4822,7 +4827,7 @@
           <a:p>
             <a:fld id="{BC319BD0-95BB-4631-9A5C-521AA65C6D4F}" type="datetimeFigureOut">
               <a:rPr lang="en-US" smtClean="0"/>
-              <a:t>5/6/2025</a:t>
+              <a:t>5/7/2025</a:t>
             </a:fld>
             <a:endParaRPr lang="en-US"/>
           </a:p>
@@ -5098,7 +5103,7 @@
           <a:p>
             <a:fld id="{BC319BD0-95BB-4631-9A5C-521AA65C6D4F}" type="datetimeFigureOut">
               <a:rPr lang="en-US" smtClean="0"/>
-              <a:t>5/6/2025</a:t>
+              <a:t>5/7/2025</a:t>
             </a:fld>
             <a:endParaRPr lang="en-US"/>
           </a:p>
@@ -5366,7 +5371,7 @@
           <a:p>
             <a:fld id="{BC319BD0-95BB-4631-9A5C-521AA65C6D4F}" type="datetimeFigureOut">
               <a:rPr lang="en-US" smtClean="0"/>
-              <a:t>5/6/2025</a:t>
+              <a:t>5/7/2025</a:t>
             </a:fld>
             <a:endParaRPr lang="en-US"/>
           </a:p>
@@ -5781,7 +5786,7 @@
           <a:p>
             <a:fld id="{BC319BD0-95BB-4631-9A5C-521AA65C6D4F}" type="datetimeFigureOut">
               <a:rPr lang="en-US" smtClean="0"/>
-              <a:t>5/6/2025</a:t>
+              <a:t>5/7/2025</a:t>
             </a:fld>
             <a:endParaRPr lang="en-US"/>
           </a:p>
@@ -5923,7 +5928,7 @@
           <a:p>
             <a:fld id="{BC319BD0-95BB-4631-9A5C-521AA65C6D4F}" type="datetimeFigureOut">
               <a:rPr lang="en-US" smtClean="0"/>
-              <a:t>5/6/2025</a:t>
+              <a:t>5/7/2025</a:t>
             </a:fld>
             <a:endParaRPr lang="en-US"/>
           </a:p>
@@ -6036,7 +6041,7 @@
           <a:p>
             <a:fld id="{BC319BD0-95BB-4631-9A5C-521AA65C6D4F}" type="datetimeFigureOut">
               <a:rPr lang="en-US" smtClean="0"/>
-              <a:t>5/6/2025</a:t>
+              <a:t>5/7/2025</a:t>
             </a:fld>
             <a:endParaRPr lang="en-US"/>
           </a:p>
@@ -6349,7 +6354,7 @@
           <a:p>
             <a:fld id="{BC319BD0-95BB-4631-9A5C-521AA65C6D4F}" type="datetimeFigureOut">
               <a:rPr lang="en-US" smtClean="0"/>
-              <a:t>5/6/2025</a:t>
+              <a:t>5/7/2025</a:t>
             </a:fld>
             <a:endParaRPr lang="en-US"/>
           </a:p>
@@ -6638,7 +6643,7 @@
           <a:p>
             <a:fld id="{BC319BD0-95BB-4631-9A5C-521AA65C6D4F}" type="datetimeFigureOut">
               <a:rPr lang="en-US" smtClean="0"/>
-              <a:t>5/6/2025</a:t>
+              <a:t>5/7/2025</a:t>
             </a:fld>
             <a:endParaRPr lang="en-US"/>
           </a:p>
@@ -6881,7 +6886,7 @@
           <a:p>
             <a:fld id="{BC319BD0-95BB-4631-9A5C-521AA65C6D4F}" type="datetimeFigureOut">
               <a:rPr lang="en-US" smtClean="0"/>
-              <a:t>5/6/2025</a:t>
+              <a:t>5/7/2025</a:t>
             </a:fld>
             <a:endParaRPr lang="en-US"/>
           </a:p>
@@ -8641,7 +8646,7 @@
             <p:ph idx="1"/>
             <p:extLst>
               <p:ext uri="{D42A27DB-BD31-4B8C-83A1-F6EECF244321}">
-                <p14:modId xmlns:p14="http://schemas.microsoft.com/office/powerpoint/2010/main" val="2207801021"/>
+                <p14:modId xmlns:p14="http://schemas.microsoft.com/office/powerpoint/2010/main" val="2874058664"/>
               </p:ext>
             </p:extLst>
           </p:nvPr>
